--- a/Travelling Thief Problem.pptx
+++ b/Travelling Thief Problem.pptx
@@ -5,10 +5,10 @@
     <p:sldMasterId id="2147483648" r:id="rId1"/>
   </p:sldMasterIdLst>
   <p:notesMasterIdLst>
-    <p:notesMasterId r:id="rId10"/>
+    <p:notesMasterId r:id="rId12"/>
   </p:notesMasterIdLst>
   <p:handoutMasterIdLst>
-    <p:handoutMasterId r:id="rId11"/>
+    <p:handoutMasterId r:id="rId13"/>
   </p:handoutMasterIdLst>
   <p:sldIdLst>
     <p:sldId id="256" r:id="rId2"/>
@@ -17,8 +17,10 @@
     <p:sldId id="262" r:id="rId5"/>
     <p:sldId id="263" r:id="rId6"/>
     <p:sldId id="264" r:id="rId7"/>
-    <p:sldId id="266" r:id="rId8"/>
-    <p:sldId id="265" r:id="rId9"/>
+    <p:sldId id="268" r:id="rId8"/>
+    <p:sldId id="266" r:id="rId9"/>
+    <p:sldId id="265" r:id="rId10"/>
+    <p:sldId id="267" r:id="rId11"/>
   </p:sldIdLst>
   <p:sldSz cx="12192000" cy="6858000"/>
   <p:notesSz cx="6858000" cy="9144000"/>
@@ -6911,6 +6913,124 @@
 </p:sld>
 </file>
 
+<file path=ppt/slides/slide10.xml><?xml version="1.0" encoding="utf-8"?>
+<p:sld xmlns:a="http://schemas.openxmlformats.org/drawingml/2006/main" xmlns:r="http://schemas.openxmlformats.org/officeDocument/2006/relationships" xmlns:p="http://schemas.openxmlformats.org/presentationml/2006/main">
+  <p:cSld>
+    <p:spTree>
+      <p:nvGrpSpPr>
+        <p:cNvPr id="1" name=""/>
+        <p:cNvGrpSpPr/>
+        <p:nvPr/>
+      </p:nvGrpSpPr>
+      <p:grpSpPr>
+        <a:xfrm>
+          <a:off x="0" y="0"/>
+          <a:ext cx="0" cy="0"/>
+          <a:chOff x="0" y="0"/>
+          <a:chExt cx="0" cy="0"/>
+        </a:xfrm>
+      </p:grpSpPr>
+      <p:sp>
+        <p:nvSpPr>
+          <p:cNvPr id="2" name="Title 1"/>
+          <p:cNvSpPr>
+            <a:spLocks noGrp="1"/>
+          </p:cNvSpPr>
+          <p:nvPr>
+            <p:ph type="title"/>
+          </p:nvPr>
+        </p:nvSpPr>
+        <p:spPr>
+          <a:xfrm>
+            <a:off x="762000" y="457200"/>
+            <a:ext cx="5334000" cy="762000"/>
+          </a:xfrm>
+        </p:spPr>
+        <p:txBody>
+          <a:bodyPr/>
+          <a:lstStyle/>
+          <a:p>
+            <a:r>
+              <a:rPr lang="en-US" dirty="0" smtClean="0"/>
+              <a:t>Crème </a:t>
+            </a:r>
+            <a:r>
+              <a:rPr lang="en-US" dirty="0"/>
+              <a:t>de la </a:t>
+            </a:r>
+            <a:r>
+              <a:rPr lang="en-US" dirty="0" smtClean="0"/>
+              <a:t>crème</a:t>
+            </a:r>
+            <a:endParaRPr lang="en-US" dirty="0"/>
+          </a:p>
+        </p:txBody>
+      </p:sp>
+      <p:sp>
+        <p:nvSpPr>
+          <p:cNvPr id="3" name="Content Placeholder 2"/>
+          <p:cNvSpPr>
+            <a:spLocks noGrp="1"/>
+          </p:cNvSpPr>
+          <p:nvPr>
+            <p:ph idx="1"/>
+          </p:nvPr>
+        </p:nvSpPr>
+        <p:spPr>
+          <a:xfrm>
+            <a:off x="2895600" y="2743200"/>
+            <a:ext cx="4724400" cy="1524000"/>
+          </a:xfrm>
+        </p:spPr>
+        <p:txBody>
+          <a:bodyPr>
+            <a:noAutofit/>
+          </a:bodyPr>
+          <a:lstStyle/>
+          <a:p>
+            <a:pPr marL="0" indent="0">
+              <a:buNone/>
+            </a:pPr>
+            <a:r>
+              <a:rPr lang="en-US" sz="4000" dirty="0" smtClean="0"/>
+              <a:t>And now; what everyone came for:</a:t>
+            </a:r>
+            <a:endParaRPr lang="en-US" sz="4000" dirty="0"/>
+          </a:p>
+        </p:txBody>
+      </p:sp>
+    </p:spTree>
+    <p:extLst>
+      <p:ext uri="{BB962C8B-B14F-4D97-AF65-F5344CB8AC3E}">
+        <p14:creationId xmlns:p14="http://schemas.microsoft.com/office/powerpoint/2010/main" val="3112070436"/>
+      </p:ext>
+    </p:extLst>
+  </p:cSld>
+  <p:clrMapOvr>
+    <a:masterClrMapping/>
+  </p:clrMapOvr>
+  <mc:AlternateContent xmlns:mc="http://schemas.openxmlformats.org/markup-compatibility/2006" xmlns:p14="http://schemas.microsoft.com/office/powerpoint/2010/main">
+    <mc:Choice Requires="p14">
+      <p:transition spd="med" p14:dur="700">
+        <p:fade/>
+      </p:transition>
+    </mc:Choice>
+    <mc:Fallback xmlns="">
+      <p:transition spd="med">
+        <p:fade/>
+      </p:transition>
+    </mc:Fallback>
+  </mc:AlternateContent>
+  <p:timing>
+    <p:tnLst>
+      <p:par>
+        <p:cTn id="1" dur="indefinite" restart="never" nodeType="tmRoot"/>
+      </p:par>
+    </p:tnLst>
+  </p:timing>
+</p:sld>
+</file>
+
 <file path=ppt/slides/slide2.xml><?xml version="1.0" encoding="utf-8"?>
 <p:sld xmlns:a="http://schemas.openxmlformats.org/drawingml/2006/main" xmlns:r="http://schemas.openxmlformats.org/officeDocument/2006/relationships" xmlns:p="http://schemas.openxmlformats.org/presentationml/2006/main">
   <p:cSld>
@@ -6967,12 +7087,35 @@
           <a:lstStyle/>
           <a:p>
             <a:r>
+              <a:rPr lang="en-US" dirty="0"/>
+              <a:t>Gaskó</a:t>
+            </a:r>
+            <a:r>
+              <a:rPr lang="en-US" dirty="0"/>
+              <a:t> </a:t>
+            </a:r>
+            <a:r>
+              <a:rPr lang="en-US" dirty="0" smtClean="0"/>
+              <a:t>Noémi</a:t>
+            </a:r>
+            <a:r>
+              <a:rPr lang="en-US" dirty="0" smtClean="0"/>
+              <a:t> - Mentor</a:t>
+            </a:r>
+            <a:endParaRPr lang="en-US" dirty="0" smtClean="0"/>
+          </a:p>
+          <a:p>
+            <a:r>
               <a:rPr lang="hu-HU" dirty="0" smtClean="0"/>
               <a:t>Györi</a:t>
             </a:r>
             <a:r>
               <a:rPr lang="en-US" dirty="0" smtClean="0"/>
-              <a:t> Robert</a:t>
+              <a:t> </a:t>
+            </a:r>
+            <a:r>
+              <a:rPr lang="en-US" dirty="0" smtClean="0"/>
+              <a:t>Robert</a:t>
             </a:r>
             <a:r>
               <a:rPr lang="hu-HU" dirty="0" smtClean="0"/>
@@ -7060,8 +7203,13 @@
             </a:r>
             <a:r>
               <a:rPr lang="en-US" dirty="0" smtClean="0"/>
-              <a:t>sz Imre - Google Maps API</a:t>
-            </a:r>
+              <a:t>sz Imre - Google Maps </a:t>
+            </a:r>
+            <a:r>
+              <a:rPr lang="en-US" dirty="0" smtClean="0"/>
+              <a:t>API / WebUI</a:t>
+            </a:r>
+            <a:endParaRPr lang="en-US" dirty="0" smtClean="0"/>
           </a:p>
           <a:p>
             <a:r>
@@ -7082,8 +7230,13 @@
             </a:r>
             <a:r>
               <a:rPr lang="en-US" dirty="0" smtClean="0"/>
-              <a:t>rd - Google Maps API</a:t>
-            </a:r>
+              <a:t>rd - Google Maps </a:t>
+            </a:r>
+            <a:r>
+              <a:rPr lang="en-US" dirty="0"/>
+              <a:t>API / WebUI</a:t>
+            </a:r>
+            <a:endParaRPr lang="en-US" dirty="0" smtClean="0"/>
           </a:p>
         </p:txBody>
       </p:sp>
@@ -9302,6 +9455,364 @@
       <p:sp>
         <p:nvSpPr>
           <p:cNvPr id="2" name="Title 1"/>
+          <p:cNvSpPr txBox="1">
+            <a:spLocks/>
+          </p:cNvSpPr>
+          <p:nvPr/>
+        </p:nvSpPr>
+        <p:spPr>
+          <a:xfrm>
+            <a:off x="838200" y="365126"/>
+            <a:ext cx="10515600" cy="1145224"/>
+          </a:xfrm>
+          <a:prstGeom prst="rect">
+            <a:avLst/>
+          </a:prstGeom>
+        </p:spPr>
+        <p:txBody>
+          <a:bodyPr/>
+          <a:lstStyle>
+            <a:lvl1pPr algn="l" defTabSz="914400" rtl="0" eaLnBrk="1" latinLnBrk="0" hangingPunct="1">
+              <a:lnSpc>
+                <a:spcPct val="90000"/>
+              </a:lnSpc>
+              <a:spcBef>
+                <a:spcPct val="0"/>
+              </a:spcBef>
+              <a:buNone/>
+              <a:defRPr sz="3400" kern="1200">
+                <a:solidFill>
+                  <a:schemeClr val="accent1"/>
+                </a:solidFill>
+                <a:latin typeface="+mj-lt"/>
+                <a:ea typeface="+mj-ea"/>
+                <a:cs typeface="+mj-cs"/>
+              </a:defRPr>
+            </a:lvl1pPr>
+          </a:lstStyle>
+          <a:p>
+            <a:r>
+              <a:rPr lang="en-US" dirty="0" smtClean="0"/>
+              <a:t>Technologies</a:t>
+            </a:r>
+            <a:endParaRPr lang="en-US" dirty="0"/>
+          </a:p>
+        </p:txBody>
+      </p:sp>
+      <p:sp>
+        <p:nvSpPr>
+          <p:cNvPr id="3" name="Content Placeholder 2"/>
+          <p:cNvSpPr txBox="1">
+            <a:spLocks/>
+          </p:cNvSpPr>
+          <p:nvPr/>
+        </p:nvSpPr>
+        <p:spPr>
+          <a:xfrm>
+            <a:off x="1066800" y="1524000"/>
+            <a:ext cx="6400800" cy="3810000"/>
+          </a:xfrm>
+          <a:prstGeom prst="rect">
+            <a:avLst/>
+          </a:prstGeom>
+        </p:spPr>
+        <p:txBody>
+          <a:bodyPr/>
+          <a:lstStyle>
+            <a:lvl1pPr marL="228600" indent="-228600" algn="l" defTabSz="914400" rtl="0" eaLnBrk="1" latinLnBrk="0" hangingPunct="1">
+              <a:lnSpc>
+                <a:spcPct val="90000"/>
+              </a:lnSpc>
+              <a:spcBef>
+                <a:spcPts val="1800"/>
+              </a:spcBef>
+              <a:buClr>
+                <a:schemeClr val="accent1"/>
+              </a:buClr>
+              <a:buFont typeface="Arial" panose="020B0604020202020204" pitchFamily="34" charset="0"/>
+              <a:buChar char="•"/>
+              <a:defRPr sz="2000" kern="1200">
+                <a:solidFill>
+                  <a:schemeClr val="tx1"/>
+                </a:solidFill>
+                <a:latin typeface="+mn-lt"/>
+                <a:ea typeface="+mn-ea"/>
+                <a:cs typeface="+mn-cs"/>
+              </a:defRPr>
+            </a:lvl1pPr>
+            <a:lvl2pPr marL="457200" indent="-228600" algn="l" defTabSz="914400" rtl="0" eaLnBrk="1" latinLnBrk="0" hangingPunct="1">
+              <a:lnSpc>
+                <a:spcPct val="90000"/>
+              </a:lnSpc>
+              <a:spcBef>
+                <a:spcPts val="1000"/>
+              </a:spcBef>
+              <a:buClr>
+                <a:schemeClr val="accent1"/>
+              </a:buClr>
+              <a:buFont typeface="Arial" panose="020B0604020202020204" pitchFamily="34" charset="0"/>
+              <a:buChar char="•"/>
+              <a:defRPr sz="1800" kern="1200">
+                <a:solidFill>
+                  <a:schemeClr val="tx1"/>
+                </a:solidFill>
+                <a:latin typeface="+mn-lt"/>
+                <a:ea typeface="+mn-ea"/>
+                <a:cs typeface="+mn-cs"/>
+              </a:defRPr>
+            </a:lvl2pPr>
+            <a:lvl3pPr marL="685800" indent="-182880" algn="l" defTabSz="914400" rtl="0" eaLnBrk="1" latinLnBrk="0" hangingPunct="1">
+              <a:lnSpc>
+                <a:spcPct val="90000"/>
+              </a:lnSpc>
+              <a:spcBef>
+                <a:spcPts val="800"/>
+              </a:spcBef>
+              <a:buClr>
+                <a:schemeClr val="accent1"/>
+              </a:buClr>
+              <a:buFont typeface="Arial" panose="020B0604020202020204" pitchFamily="34" charset="0"/>
+              <a:buChar char="•"/>
+              <a:defRPr sz="1600" kern="1200">
+                <a:solidFill>
+                  <a:schemeClr val="tx1"/>
+                </a:solidFill>
+                <a:latin typeface="+mn-lt"/>
+                <a:ea typeface="+mn-ea"/>
+                <a:cs typeface="+mn-cs"/>
+              </a:defRPr>
+            </a:lvl3pPr>
+            <a:lvl4pPr marL="914400" indent="-182880" algn="l" defTabSz="914400" rtl="0" eaLnBrk="1" latinLnBrk="0" hangingPunct="1">
+              <a:lnSpc>
+                <a:spcPct val="90000"/>
+              </a:lnSpc>
+              <a:spcBef>
+                <a:spcPts val="800"/>
+              </a:spcBef>
+              <a:buClr>
+                <a:schemeClr val="accent1"/>
+              </a:buClr>
+              <a:buFont typeface="Arial" panose="020B0604020202020204" pitchFamily="34" charset="0"/>
+              <a:buChar char="•"/>
+              <a:defRPr sz="1400" kern="1200">
+                <a:solidFill>
+                  <a:schemeClr val="tx1"/>
+                </a:solidFill>
+                <a:latin typeface="+mn-lt"/>
+                <a:ea typeface="+mn-ea"/>
+                <a:cs typeface="+mn-cs"/>
+              </a:defRPr>
+            </a:lvl4pPr>
+            <a:lvl5pPr marL="1143000" indent="-182880" algn="l" defTabSz="914400" rtl="0" eaLnBrk="1" latinLnBrk="0" hangingPunct="1">
+              <a:lnSpc>
+                <a:spcPct val="90000"/>
+              </a:lnSpc>
+              <a:spcBef>
+                <a:spcPts val="800"/>
+              </a:spcBef>
+              <a:buClr>
+                <a:schemeClr val="accent1"/>
+              </a:buClr>
+              <a:buFont typeface="Arial" panose="020B0604020202020204" pitchFamily="34" charset="0"/>
+              <a:buChar char="•"/>
+              <a:defRPr sz="1400" kern="1200">
+                <a:solidFill>
+                  <a:schemeClr val="tx1"/>
+                </a:solidFill>
+                <a:latin typeface="+mn-lt"/>
+                <a:ea typeface="+mn-ea"/>
+                <a:cs typeface="+mn-cs"/>
+              </a:defRPr>
+            </a:lvl5pPr>
+            <a:lvl6pPr marL="1371600" indent="-182880" algn="l" defTabSz="914400" rtl="0" eaLnBrk="1" latinLnBrk="0" hangingPunct="1">
+              <a:lnSpc>
+                <a:spcPct val="90000"/>
+              </a:lnSpc>
+              <a:spcBef>
+                <a:spcPts val="800"/>
+              </a:spcBef>
+              <a:buClr>
+                <a:schemeClr val="accent1"/>
+              </a:buClr>
+              <a:buFont typeface="Arial" panose="020B0604020202020204" pitchFamily="34" charset="0"/>
+              <a:buChar char="•"/>
+              <a:defRPr sz="1400" kern="1200">
+                <a:solidFill>
+                  <a:schemeClr val="tx1"/>
+                </a:solidFill>
+                <a:latin typeface="+mn-lt"/>
+                <a:ea typeface="+mn-ea"/>
+                <a:cs typeface="+mn-cs"/>
+              </a:defRPr>
+            </a:lvl6pPr>
+            <a:lvl7pPr marL="1600200" indent="-182880" algn="l" defTabSz="914400" rtl="0" eaLnBrk="1" latinLnBrk="0" hangingPunct="1">
+              <a:lnSpc>
+                <a:spcPct val="90000"/>
+              </a:lnSpc>
+              <a:spcBef>
+                <a:spcPts val="800"/>
+              </a:spcBef>
+              <a:buClr>
+                <a:schemeClr val="accent1"/>
+              </a:buClr>
+              <a:buFont typeface="Arial" panose="020B0604020202020204" pitchFamily="34" charset="0"/>
+              <a:buChar char="•"/>
+              <a:defRPr sz="1400" kern="1200">
+                <a:solidFill>
+                  <a:schemeClr val="tx1"/>
+                </a:solidFill>
+                <a:latin typeface="+mn-lt"/>
+                <a:ea typeface="+mn-ea"/>
+                <a:cs typeface="+mn-cs"/>
+              </a:defRPr>
+            </a:lvl7pPr>
+            <a:lvl8pPr marL="1828800" indent="-182880" algn="l" defTabSz="914400" rtl="0" eaLnBrk="1" latinLnBrk="0" hangingPunct="1">
+              <a:lnSpc>
+                <a:spcPct val="90000"/>
+              </a:lnSpc>
+              <a:spcBef>
+                <a:spcPts val="800"/>
+              </a:spcBef>
+              <a:buClr>
+                <a:schemeClr val="accent1"/>
+              </a:buClr>
+              <a:buFont typeface="Arial" panose="020B0604020202020204" pitchFamily="34" charset="0"/>
+              <a:buChar char="•"/>
+              <a:defRPr sz="1400" kern="1200">
+                <a:solidFill>
+                  <a:schemeClr val="tx1"/>
+                </a:solidFill>
+                <a:latin typeface="+mn-lt"/>
+                <a:ea typeface="+mn-ea"/>
+                <a:cs typeface="+mn-cs"/>
+              </a:defRPr>
+            </a:lvl8pPr>
+            <a:lvl9pPr marL="2057400" indent="-182880" algn="l" defTabSz="914400" rtl="0" eaLnBrk="1" latinLnBrk="0" hangingPunct="1">
+              <a:lnSpc>
+                <a:spcPct val="90000"/>
+              </a:lnSpc>
+              <a:spcBef>
+                <a:spcPts val="800"/>
+              </a:spcBef>
+              <a:buClr>
+                <a:schemeClr val="accent1"/>
+              </a:buClr>
+              <a:buFont typeface="Arial" panose="020B0604020202020204" pitchFamily="34" charset="0"/>
+              <a:buChar char="•"/>
+              <a:defRPr sz="1400" kern="1200">
+                <a:solidFill>
+                  <a:schemeClr val="tx1"/>
+                </a:solidFill>
+                <a:latin typeface="+mn-lt"/>
+                <a:ea typeface="+mn-ea"/>
+                <a:cs typeface="+mn-cs"/>
+              </a:defRPr>
+            </a:lvl9pPr>
+          </a:lstStyle>
+          <a:p>
+            <a:r>
+              <a:rPr lang="en-US" dirty="0" smtClean="0"/>
+              <a:t>Spring</a:t>
+            </a:r>
+          </a:p>
+          <a:p>
+            <a:r>
+              <a:rPr lang="en-US" dirty="0" smtClean="0"/>
+              <a:t>Java</a:t>
+            </a:r>
+          </a:p>
+          <a:p>
+            <a:r>
+              <a:rPr lang="en-US" dirty="0"/>
+              <a:t>HTML / </a:t>
+            </a:r>
+            <a:r>
+              <a:rPr lang="en-US" dirty="0" smtClean="0"/>
+              <a:t>CSS / </a:t>
+            </a:r>
+            <a:r>
+              <a:rPr lang="en-US" dirty="0" err="1" smtClean="0"/>
+              <a:t>Javascript</a:t>
+            </a:r>
+            <a:endParaRPr lang="en-US" dirty="0" smtClean="0"/>
+          </a:p>
+          <a:p>
+            <a:r>
+              <a:rPr lang="en-US" dirty="0" smtClean="0"/>
+              <a:t>jQuery</a:t>
+            </a:r>
+          </a:p>
+          <a:p>
+            <a:r>
+              <a:rPr lang="en-US" dirty="0"/>
+              <a:t>Google </a:t>
+            </a:r>
+            <a:r>
+              <a:rPr lang="en-US" dirty="0" smtClean="0"/>
+              <a:t>Maps</a:t>
+            </a:r>
+          </a:p>
+          <a:p>
+            <a:r>
+              <a:rPr lang="en-US" dirty="0" err="1" smtClean="0"/>
+              <a:t>Github</a:t>
+            </a:r>
+            <a:endParaRPr lang="en-US" dirty="0" smtClean="0"/>
+          </a:p>
+        </p:txBody>
+      </p:sp>
+    </p:spTree>
+    <p:extLst>
+      <p:ext uri="{BB962C8B-B14F-4D97-AF65-F5344CB8AC3E}">
+        <p14:creationId xmlns:p14="http://schemas.microsoft.com/office/powerpoint/2010/main" val="830448373"/>
+      </p:ext>
+    </p:extLst>
+  </p:cSld>
+  <p:clrMapOvr>
+    <a:masterClrMapping/>
+  </p:clrMapOvr>
+  <mc:AlternateContent xmlns:mc="http://schemas.openxmlformats.org/markup-compatibility/2006" xmlns:p14="http://schemas.microsoft.com/office/powerpoint/2010/main">
+    <mc:Choice Requires="p14">
+      <p:transition spd="med" p14:dur="700">
+        <p:fade/>
+      </p:transition>
+    </mc:Choice>
+    <mc:Fallback xmlns="">
+      <p:transition spd="med">
+        <p:fade/>
+      </p:transition>
+    </mc:Fallback>
+  </mc:AlternateContent>
+  <p:timing>
+    <p:tnLst>
+      <p:par>
+        <p:cTn id="1" dur="indefinite" restart="never" nodeType="tmRoot"/>
+      </p:par>
+    </p:tnLst>
+  </p:timing>
+</p:sld>
+</file>
+
+<file path=ppt/slides/slide8.xml><?xml version="1.0" encoding="utf-8"?>
+<p:sld xmlns:a="http://schemas.openxmlformats.org/drawingml/2006/main" xmlns:r="http://schemas.openxmlformats.org/officeDocument/2006/relationships" xmlns:p="http://schemas.openxmlformats.org/presentationml/2006/main">
+  <p:cSld>
+    <p:spTree>
+      <p:nvGrpSpPr>
+        <p:cNvPr id="1" name=""/>
+        <p:cNvGrpSpPr/>
+        <p:nvPr/>
+      </p:nvGrpSpPr>
+      <p:grpSpPr>
+        <a:xfrm>
+          <a:off x="0" y="0"/>
+          <a:ext cx="0" cy="0"/>
+          <a:chOff x="0" y="0"/>
+          <a:chExt cx="0" cy="0"/>
+        </a:xfrm>
+      </p:grpSpPr>
+      <p:sp>
+        <p:nvSpPr>
+          <p:cNvPr id="2" name="Title 1"/>
           <p:cNvSpPr>
             <a:spLocks noGrp="1"/>
           </p:cNvSpPr>
@@ -9569,7 +10080,7 @@
               <a:t>The skeleton project and functions were in </a:t>
             </a:r>
             <a:r>
-              <a:rPr lang="en-US" sz="2000" dirty="0" err="1" smtClean="0"/>
+              <a:rPr lang="en-US" sz="2000" dirty="0" smtClean="0"/>
               <a:t>Matlab</a:t>
             </a:r>
             <a:r>
@@ -9655,8 +10166,8 @@
         </p:blipFill>
         <p:spPr>
           <a:xfrm>
-            <a:off x="7048500" y="990600"/>
-            <a:ext cx="5143500" cy="4572000"/>
+            <a:off x="7086600" y="1752600"/>
+            <a:ext cx="4937760" cy="3627120"/>
           </a:xfrm>
           <a:prstGeom prst="rect">
             <a:avLst/>
@@ -9695,7 +10206,7 @@
 </p:sld>
 </file>
 
-<file path=ppt/slides/slide8.xml><?xml version="1.0" encoding="utf-8"?>
+<file path=ppt/slides/slide9.xml><?xml version="1.0" encoding="utf-8"?>
 <p:sld xmlns:a="http://schemas.openxmlformats.org/drawingml/2006/main" xmlns:r="http://schemas.openxmlformats.org/officeDocument/2006/relationships" xmlns:p="http://schemas.openxmlformats.org/presentationml/2006/main">
   <p:cSld>
     <p:spTree>
@@ -9777,12 +10288,8 @@
           </a:p>
           <a:p>
             <a:r>
-              <a:rPr lang="en-US" dirty="0" err="1" smtClean="0"/>
-              <a:t>WebUI</a:t>
-            </a:r>
-            <a:r>
               <a:rPr lang="en-US" dirty="0" smtClean="0"/>
-              <a:t> / GUI improvements for readability</a:t>
+              <a:t>WebUI / GUI improvements for readability</a:t>
             </a:r>
           </a:p>
           <a:p>
